--- a/Presentation/Différents format/Presentation.pptx
+++ b/Presentation/Différents format/Presentation.pptx
@@ -5066,11 +5066,7 @@
             </a:r>
             <a:r>
               <a:rPr lang="en-US" dirty="0" err="1" smtClean="0"/>
-              <a:t>m</a:t>
-            </a:r>
-            <a:r>
-              <a:rPr lang="en-US" dirty="0" err="1" smtClean="0"/>
-              <a:t>êmes</a:t>
+              <a:t>mêmes</a:t>
             </a:r>
             <a:r>
               <a:rPr lang="en-US" dirty="0" smtClean="0"/>
@@ -5779,11 +5775,7 @@
             </a:r>
             <a:r>
               <a:rPr lang="en-US" sz="2400" dirty="0" smtClean="0"/>
-              <a:t> demander d’</a:t>
-            </a:r>
-            <a:r>
-              <a:rPr lang="en-US" sz="2400" dirty="0" smtClean="0"/>
-              <a:t>être </a:t>
+              <a:t> demander d’être </a:t>
             </a:r>
             <a:r>
               <a:rPr lang="en-US" sz="2400" dirty="0" err="1" smtClean="0"/>
